--- a/PLPTH813Bioinformatis/2025/2_lab/lab10_qtl_gwas.pptx
+++ b/PLPTH813Bioinformatis/2025/2_lab/lab10_qtl_gwas.pptx
@@ -10,8 +10,8 @@
   <p:sldIdLst>
     <p:sldId id="301" r:id="rId2"/>
     <p:sldId id="269" r:id="rId3"/>
-    <p:sldId id="314" r:id="rId4"/>
-    <p:sldId id="324" r:id="rId5"/>
+    <p:sldId id="324" r:id="rId4"/>
+    <p:sldId id="314" r:id="rId5"/>
     <p:sldId id="325" r:id="rId6"/>
     <p:sldId id="346" r:id="rId7"/>
     <p:sldId id="317" r:id="rId8"/>
@@ -233,7 +233,7 @@
           <a:p>
             <a:fld id="{08E6E0A8-E17C-C949-B17E-7A1A6494483A}" type="datetimeFigureOut">
               <a:rPr lang="en-US" smtClean="0"/>
-              <a:t>4/15/25</a:t>
+              <a:t>4/17/25</a:t>
             </a:fld>
             <a:endParaRPr lang="en-US"/>
           </a:p>
@@ -679,7 +679,7 @@
           <a:p>
             <a:fld id="{42B8B0BE-C8D7-EB48-AD68-71DB5002F24B}" type="datetimeFigureOut">
               <a:rPr lang="en-US" smtClean="0"/>
-              <a:t>4/15/25</a:t>
+              <a:t>4/17/25</a:t>
             </a:fld>
             <a:endParaRPr lang="en-US"/>
           </a:p>
@@ -847,7 +847,7 @@
           <a:p>
             <a:fld id="{42B8B0BE-C8D7-EB48-AD68-71DB5002F24B}" type="datetimeFigureOut">
               <a:rPr lang="en-US" smtClean="0"/>
-              <a:t>4/15/25</a:t>
+              <a:t>4/17/25</a:t>
             </a:fld>
             <a:endParaRPr lang="en-US"/>
           </a:p>
@@ -1025,7 +1025,7 @@
           <a:p>
             <a:fld id="{42B8B0BE-C8D7-EB48-AD68-71DB5002F24B}" type="datetimeFigureOut">
               <a:rPr lang="en-US" smtClean="0"/>
-              <a:t>4/15/25</a:t>
+              <a:t>4/17/25</a:t>
             </a:fld>
             <a:endParaRPr lang="en-US"/>
           </a:p>
@@ -1193,7 +1193,7 @@
           <a:p>
             <a:fld id="{42B8B0BE-C8D7-EB48-AD68-71DB5002F24B}" type="datetimeFigureOut">
               <a:rPr lang="en-US" smtClean="0"/>
-              <a:t>4/15/25</a:t>
+              <a:t>4/17/25</a:t>
             </a:fld>
             <a:endParaRPr lang="en-US"/>
           </a:p>
@@ -1438,7 +1438,7 @@
           <a:p>
             <a:fld id="{42B8B0BE-C8D7-EB48-AD68-71DB5002F24B}" type="datetimeFigureOut">
               <a:rPr lang="en-US" smtClean="0"/>
-              <a:t>4/15/25</a:t>
+              <a:t>4/17/25</a:t>
             </a:fld>
             <a:endParaRPr lang="en-US"/>
           </a:p>
@@ -1723,7 +1723,7 @@
           <a:p>
             <a:fld id="{42B8B0BE-C8D7-EB48-AD68-71DB5002F24B}" type="datetimeFigureOut">
               <a:rPr lang="en-US" smtClean="0"/>
-              <a:t>4/15/25</a:t>
+              <a:t>4/17/25</a:t>
             </a:fld>
             <a:endParaRPr lang="en-US"/>
           </a:p>
@@ -2142,7 +2142,7 @@
           <a:p>
             <a:fld id="{42B8B0BE-C8D7-EB48-AD68-71DB5002F24B}" type="datetimeFigureOut">
               <a:rPr lang="en-US" smtClean="0"/>
-              <a:t>4/15/25</a:t>
+              <a:t>4/17/25</a:t>
             </a:fld>
             <a:endParaRPr lang="en-US"/>
           </a:p>
@@ -2259,7 +2259,7 @@
           <a:p>
             <a:fld id="{42B8B0BE-C8D7-EB48-AD68-71DB5002F24B}" type="datetimeFigureOut">
               <a:rPr lang="en-US" smtClean="0"/>
-              <a:t>4/15/25</a:t>
+              <a:t>4/17/25</a:t>
             </a:fld>
             <a:endParaRPr lang="en-US"/>
           </a:p>
@@ -2354,7 +2354,7 @@
           <a:p>
             <a:fld id="{42B8B0BE-C8D7-EB48-AD68-71DB5002F24B}" type="datetimeFigureOut">
               <a:rPr lang="en-US" smtClean="0"/>
-              <a:t>4/15/25</a:t>
+              <a:t>4/17/25</a:t>
             </a:fld>
             <a:endParaRPr lang="en-US"/>
           </a:p>
@@ -2629,7 +2629,7 @@
           <a:p>
             <a:fld id="{42B8B0BE-C8D7-EB48-AD68-71DB5002F24B}" type="datetimeFigureOut">
               <a:rPr lang="en-US" smtClean="0"/>
-              <a:t>4/15/25</a:t>
+              <a:t>4/17/25</a:t>
             </a:fld>
             <a:endParaRPr lang="en-US"/>
           </a:p>
@@ -2881,7 +2881,7 @@
           <a:p>
             <a:fld id="{42B8B0BE-C8D7-EB48-AD68-71DB5002F24B}" type="datetimeFigureOut">
               <a:rPr lang="en-US" smtClean="0"/>
-              <a:t>4/15/25</a:t>
+              <a:t>4/17/25</a:t>
             </a:fld>
             <a:endParaRPr lang="en-US"/>
           </a:p>
@@ -3092,7 +3092,7 @@
           <a:p>
             <a:fld id="{42B8B0BE-C8D7-EB48-AD68-71DB5002F24B}" type="datetimeFigureOut">
               <a:rPr lang="en-US" smtClean="0"/>
-              <a:t>4/15/25</a:t>
+              <a:t>4/17/25</a:t>
             </a:fld>
             <a:endParaRPr lang="en-US"/>
           </a:p>
@@ -12437,7 +12437,7 @@
                 <a:latin typeface="Courier New" panose="02070309020205020404" pitchFamily="49" charset="0"/>
                 <a:cs typeface="Courier New" panose="02070309020205020404" pitchFamily="49" charset="0"/>
               </a:rPr>
-              <a:t>/run3</a:t>
+              <a:t>/run2</a:t>
             </a:r>
             <a:r>
               <a:rPr lang="en-US" dirty="0">
@@ -13318,7 +13318,12 @@
             <p:ph type="title"/>
           </p:nvPr>
         </p:nvSpPr>
-        <p:spPr/>
+        <p:spPr>
+          <a:xfrm>
+            <a:off x="457200" y="205979"/>
+            <a:ext cx="8229600" cy="783236"/>
+          </a:xfrm>
+        </p:spPr>
         <p:txBody>
           <a:bodyPr>
             <a:normAutofit/>
@@ -13327,13 +13332,8 @@
           <a:p>
             <a:r>
               <a:rPr lang="en-US" sz="3200" dirty="0"/>
-              <a:t>Install R/</a:t>
-            </a:r>
-            <a:r>
-              <a:rPr lang="en-US" sz="3200" dirty="0" err="1"/>
-              <a:t>qtl</a:t>
-            </a:r>
-            <a:endParaRPr lang="en-US" sz="3200" dirty="0"/>
+              <a:t>Working directories</a:t>
+            </a:r>
           </a:p>
         </p:txBody>
       </p:sp>
@@ -13349,8 +13349,8 @@
         </p:nvSpPr>
         <p:spPr>
           <a:xfrm>
-            <a:off x="2144684" y="1099994"/>
-            <a:ext cx="5112327" cy="1471756"/>
+            <a:off x="2083323" y="989215"/>
+            <a:ext cx="5279011" cy="1782265"/>
           </a:xfrm>
         </p:spPr>
         <p:txBody>
@@ -13363,104 +13363,253 @@
               <a:buNone/>
             </a:pPr>
             <a:r>
-              <a:rPr lang="en-US" dirty="0">
-                <a:latin typeface="Courier New" panose="02070309020205020404" pitchFamily="49" charset="0"/>
-                <a:cs typeface="Courier New" panose="02070309020205020404" pitchFamily="49" charset="0"/>
-              </a:rPr>
-              <a:t># install r/</a:t>
-            </a:r>
-            <a:r>
-              <a:rPr lang="en-US" dirty="0" err="1">
+              <a:rPr lang="en-US" sz="1600" dirty="0">
+                <a:solidFill>
+                  <a:schemeClr val="bg1">
+                    <a:lumMod val="75000"/>
+                  </a:schemeClr>
+                </a:solidFill>
+              </a:rPr>
+              <a:t> </a:t>
+            </a:r>
+            <a:r>
+              <a:rPr lang="en-US" sz="1600" dirty="0">
+                <a:solidFill>
+                  <a:schemeClr val="bg1">
+                    <a:lumMod val="75000"/>
+                  </a:schemeClr>
+                </a:solidFill>
+                <a:latin typeface="Courier New" panose="02070309020205020404" pitchFamily="49" charset="0"/>
+                <a:cs typeface="Courier New" panose="02070309020205020404" pitchFamily="49" charset="0"/>
+              </a:rPr>
+              <a:t>~/BA25/labs/lab10</a:t>
+            </a:r>
+          </a:p>
+          <a:p>
+            <a:pPr marL="0" indent="0">
+              <a:buNone/>
+            </a:pPr>
+            <a:r>
+              <a:rPr lang="en-US" sz="1600" dirty="0">
+                <a:solidFill>
+                  <a:schemeClr val="bg1">
+                    <a:lumMod val="75000"/>
+                  </a:schemeClr>
+                </a:solidFill>
+                <a:latin typeface="Courier New" panose="02070309020205020404" pitchFamily="49" charset="0"/>
+                <a:cs typeface="Courier New" panose="02070309020205020404" pitchFamily="49" charset="0"/>
+              </a:rPr>
+              <a:t>~/BA25/labs/lab10/</a:t>
+            </a:r>
+            <a:r>
+              <a:rPr lang="en-US" sz="1600" dirty="0" err="1">
+                <a:solidFill>
+                  <a:schemeClr val="bg1">
+                    <a:lumMod val="75000"/>
+                  </a:schemeClr>
+                </a:solidFill>
                 <a:latin typeface="Courier New" panose="02070309020205020404" pitchFamily="49" charset="0"/>
                 <a:cs typeface="Courier New" panose="02070309020205020404" pitchFamily="49" charset="0"/>
               </a:rPr>
               <a:t>qtl</a:t>
             </a:r>
-            <a:r>
-              <a:rPr lang="en-US" dirty="0">
-                <a:latin typeface="Courier New" panose="02070309020205020404" pitchFamily="49" charset="0"/>
-                <a:cs typeface="Courier New" panose="02070309020205020404" pitchFamily="49" charset="0"/>
-              </a:rPr>
-              <a:t> package</a:t>
-            </a:r>
+            <a:endParaRPr lang="en-US" sz="1600" dirty="0">
+              <a:solidFill>
+                <a:schemeClr val="bg1">
+                  <a:lumMod val="75000"/>
+                </a:schemeClr>
+              </a:solidFill>
+              <a:latin typeface="Courier New" panose="02070309020205020404" pitchFamily="49" charset="0"/>
+              <a:cs typeface="Courier New" panose="02070309020205020404" pitchFamily="49" charset="0"/>
+            </a:endParaRPr>
           </a:p>
           <a:p>
             <a:pPr marL="0" indent="0">
               <a:buNone/>
             </a:pPr>
             <a:r>
-              <a:rPr lang="en-US" dirty="0" err="1">
-                <a:latin typeface="Courier New" panose="02070309020205020404" pitchFamily="49" charset="0"/>
-                <a:cs typeface="Courier New" panose="02070309020205020404" pitchFamily="49" charset="0"/>
-              </a:rPr>
-              <a:t>install.packages</a:t>
-            </a:r>
-            <a:r>
-              <a:rPr lang="en-US" dirty="0">
-                <a:latin typeface="Courier New" panose="02070309020205020404" pitchFamily="49" charset="0"/>
-                <a:cs typeface="Courier New" panose="02070309020205020404" pitchFamily="49" charset="0"/>
-              </a:rPr>
-              <a:t>("</a:t>
-            </a:r>
-            <a:r>
-              <a:rPr lang="en-US" dirty="0" err="1">
-                <a:latin typeface="Courier New" panose="02070309020205020404" pitchFamily="49" charset="0"/>
-                <a:cs typeface="Courier New" panose="02070309020205020404" pitchFamily="49" charset="0"/>
-              </a:rPr>
-              <a:t>qtl</a:t>
-            </a:r>
-            <a:r>
-              <a:rPr lang="en-US" dirty="0">
-                <a:latin typeface="Courier New" panose="02070309020205020404" pitchFamily="49" charset="0"/>
-                <a:cs typeface="Courier New" panose="02070309020205020404" pitchFamily="49" charset="0"/>
-              </a:rPr>
-              <a:t>")</a:t>
-            </a:r>
+              <a:rPr lang="en-US" sz="1600" dirty="0">
+                <a:solidFill>
+                  <a:schemeClr val="bg1">
+                    <a:lumMod val="75000"/>
+                  </a:schemeClr>
+                </a:solidFill>
+                <a:latin typeface="Courier New" panose="02070309020205020404" pitchFamily="49" charset="0"/>
+                <a:cs typeface="Courier New" panose="02070309020205020404" pitchFamily="49" charset="0"/>
+              </a:rPr>
+              <a:t>~/BA25/labs/lab10/</a:t>
+            </a:r>
+            <a:r>
+              <a:rPr lang="en-US" sz="1600" dirty="0" err="1">
+                <a:solidFill>
+                  <a:schemeClr val="bg1">
+                    <a:lumMod val="75000"/>
+                  </a:schemeClr>
+                </a:solidFill>
+                <a:latin typeface="Courier New" panose="02070309020205020404" pitchFamily="49" charset="0"/>
+                <a:cs typeface="Courier New" panose="02070309020205020404" pitchFamily="49" charset="0"/>
+              </a:rPr>
+              <a:t>gwas</a:t>
+            </a:r>
+            <a:endParaRPr lang="en-US" sz="1600" dirty="0">
+              <a:solidFill>
+                <a:schemeClr val="bg1">
+                  <a:lumMod val="75000"/>
+                </a:schemeClr>
+              </a:solidFill>
+              <a:latin typeface="Courier New" panose="02070309020205020404" pitchFamily="49" charset="0"/>
+              <a:cs typeface="Courier New" panose="02070309020205020404" pitchFamily="49" charset="0"/>
+            </a:endParaRPr>
           </a:p>
           <a:p>
             <a:pPr marL="0" indent="0">
               <a:buNone/>
             </a:pPr>
             <a:r>
-              <a:rPr lang="en-US" dirty="0">
-                <a:latin typeface="Courier New" panose="02070309020205020404" pitchFamily="49" charset="0"/>
-                <a:cs typeface="Courier New" panose="02070309020205020404" pitchFamily="49" charset="0"/>
-              </a:rPr>
-              <a:t>library("</a:t>
-            </a:r>
-            <a:r>
-              <a:rPr lang="en-US" dirty="0" err="1">
-                <a:latin typeface="Courier New" panose="02070309020205020404" pitchFamily="49" charset="0"/>
-                <a:cs typeface="Courier New" panose="02070309020205020404" pitchFamily="49" charset="0"/>
-              </a:rPr>
-              <a:t>qtl</a:t>
-            </a:r>
-            <a:r>
-              <a:rPr lang="en-US" dirty="0">
-                <a:latin typeface="Courier New" panose="02070309020205020404" pitchFamily="49" charset="0"/>
-                <a:cs typeface="Courier New" panose="02070309020205020404" pitchFamily="49" charset="0"/>
-              </a:rPr>
-              <a:t>")</a:t>
-            </a:r>
+              <a:rPr lang="en-US" sz="1600" dirty="0">
+                <a:solidFill>
+                  <a:schemeClr val="bg1">
+                    <a:lumMod val="75000"/>
+                  </a:schemeClr>
+                </a:solidFill>
+                <a:latin typeface="Courier New" panose="02070309020205020404" pitchFamily="49" charset="0"/>
+                <a:cs typeface="Courier New" panose="02070309020205020404" pitchFamily="49" charset="0"/>
+              </a:rPr>
+              <a:t>~/BA25/labs/lab10/</a:t>
+            </a:r>
+            <a:r>
+              <a:rPr lang="en-US" sz="1600" dirty="0" err="1">
+                <a:solidFill>
+                  <a:schemeClr val="bg1">
+                    <a:lumMod val="75000"/>
+                  </a:schemeClr>
+                </a:solidFill>
+                <a:latin typeface="Courier New" panose="02070309020205020404" pitchFamily="49" charset="0"/>
+                <a:cs typeface="Courier New" panose="02070309020205020404" pitchFamily="49" charset="0"/>
+              </a:rPr>
+              <a:t>gwas</a:t>
+            </a:r>
+            <a:r>
+              <a:rPr lang="en-US" sz="1600" dirty="0">
+                <a:solidFill>
+                  <a:schemeClr val="bg1">
+                    <a:lumMod val="75000"/>
+                  </a:schemeClr>
+                </a:solidFill>
+                <a:latin typeface="Courier New" panose="02070309020205020404" pitchFamily="49" charset="0"/>
+                <a:cs typeface="Courier New" panose="02070309020205020404" pitchFamily="49" charset="0"/>
+              </a:rPr>
+              <a:t>/run1</a:t>
+            </a:r>
+          </a:p>
+          <a:p>
+            <a:pPr marL="0" indent="0">
+              <a:buNone/>
+            </a:pPr>
+            <a:r>
+              <a:rPr lang="en-US" sz="1600" dirty="0">
+                <a:solidFill>
+                  <a:schemeClr val="bg1">
+                    <a:lumMod val="75000"/>
+                  </a:schemeClr>
+                </a:solidFill>
+                <a:latin typeface="Courier New" panose="02070309020205020404" pitchFamily="49" charset="0"/>
+                <a:cs typeface="Courier New" panose="02070309020205020404" pitchFamily="49" charset="0"/>
+              </a:rPr>
+              <a:t>~/BA25/labs/lab10/</a:t>
+            </a:r>
+            <a:r>
+              <a:rPr lang="en-US" sz="1600" dirty="0" err="1">
+                <a:solidFill>
+                  <a:schemeClr val="bg1">
+                    <a:lumMod val="75000"/>
+                  </a:schemeClr>
+                </a:solidFill>
+                <a:latin typeface="Courier New" panose="02070309020205020404" pitchFamily="49" charset="0"/>
+                <a:cs typeface="Courier New" panose="02070309020205020404" pitchFamily="49" charset="0"/>
+              </a:rPr>
+              <a:t>gwas</a:t>
+            </a:r>
+            <a:r>
+              <a:rPr lang="en-US" sz="1600" dirty="0">
+                <a:solidFill>
+                  <a:schemeClr val="bg1">
+                    <a:lumMod val="75000"/>
+                  </a:schemeClr>
+                </a:solidFill>
+                <a:latin typeface="Courier New" panose="02070309020205020404" pitchFamily="49" charset="0"/>
+                <a:cs typeface="Courier New" panose="02070309020205020404" pitchFamily="49" charset="0"/>
+              </a:rPr>
+              <a:t>/run2</a:t>
+            </a:r>
+          </a:p>
+          <a:p>
+            <a:pPr marL="0" indent="0">
+              <a:buNone/>
+            </a:pPr>
+            <a:r>
+              <a:rPr lang="en-US" sz="1600" dirty="0">
+                <a:solidFill>
+                  <a:schemeClr val="bg1">
+                    <a:lumMod val="75000"/>
+                  </a:schemeClr>
+                </a:solidFill>
+                <a:latin typeface="Courier New" panose="02070309020205020404" pitchFamily="49" charset="0"/>
+                <a:cs typeface="Courier New" panose="02070309020205020404" pitchFamily="49" charset="0"/>
+              </a:rPr>
+              <a:t>~/BA25/labs/lab10/</a:t>
+            </a:r>
+            <a:r>
+              <a:rPr lang="en-US" sz="1600" dirty="0" err="1">
+                <a:solidFill>
+                  <a:schemeClr val="bg1">
+                    <a:lumMod val="75000"/>
+                  </a:schemeClr>
+                </a:solidFill>
+                <a:latin typeface="Courier New" panose="02070309020205020404" pitchFamily="49" charset="0"/>
+                <a:cs typeface="Courier New" panose="02070309020205020404" pitchFamily="49" charset="0"/>
+              </a:rPr>
+              <a:t>gwas</a:t>
+            </a:r>
+            <a:r>
+              <a:rPr lang="en-US" sz="1600" dirty="0">
+                <a:solidFill>
+                  <a:schemeClr val="bg1">
+                    <a:lumMod val="75000"/>
+                  </a:schemeClr>
+                </a:solidFill>
+                <a:latin typeface="Courier New" panose="02070309020205020404" pitchFamily="49" charset="0"/>
+                <a:cs typeface="Courier New" panose="02070309020205020404" pitchFamily="49" charset="0"/>
+              </a:rPr>
+              <a:t>/run3</a:t>
+            </a:r>
+          </a:p>
+          <a:p>
+            <a:pPr marL="0" indent="0">
+              <a:buNone/>
+            </a:pPr>
+            <a:endParaRPr lang="en-US" sz="1600" dirty="0">
+              <a:solidFill>
+                <a:schemeClr val="bg1">
+                  <a:lumMod val="75000"/>
+                </a:schemeClr>
+              </a:solidFill>
+              <a:latin typeface="Courier New" panose="02070309020205020404" pitchFamily="49" charset="0"/>
+              <a:cs typeface="Courier New" panose="02070309020205020404" pitchFamily="49" charset="0"/>
+            </a:endParaRPr>
           </a:p>
         </p:txBody>
       </p:sp>
       <p:sp>
         <p:nvSpPr>
-          <p:cNvPr id="4" name="TextBox 3">
-            <a:extLst>
-              <a:ext uri="{FF2B5EF4-FFF2-40B4-BE49-F238E27FC236}">
-                <a16:creationId xmlns:a16="http://schemas.microsoft.com/office/drawing/2014/main" id="{8A73FB69-F7C3-D15E-9868-EDF3030F567B}"/>
-              </a:ext>
-            </a:extLst>
-          </p:cNvPr>
+          <p:cNvPr id="4" name="TextBox 3"/>
           <p:cNvSpPr txBox="1"/>
           <p:nvPr/>
         </p:nvSpPr>
         <p:spPr>
           <a:xfrm>
-            <a:off x="260723" y="2864635"/>
-            <a:ext cx="8622553" cy="369332"/>
+            <a:off x="457200" y="864623"/>
+            <a:ext cx="1641924" cy="523220"/>
           </a:xfrm>
           <a:prstGeom prst="rect">
             <a:avLst/>
@@ -13474,28 +13623,16 @@
           <a:lstStyle/>
           <a:p>
             <a:r>
-              <a:rPr lang="en-US" dirty="0">
-                <a:solidFill>
-                  <a:srgbClr val="FF0000"/>
-                </a:solidFill>
-              </a:rPr>
-              <a:t>Note: If you have trouble to install the package in </a:t>
-            </a:r>
-            <a:r>
-              <a:rPr lang="en-US" dirty="0" err="1">
-                <a:solidFill>
-                  <a:srgbClr val="FF0000"/>
-                </a:solidFill>
-              </a:rPr>
-              <a:t>Rstudio</a:t>
-            </a:r>
-            <a:r>
-              <a:rPr lang="en-US" dirty="0">
-                <a:solidFill>
-                  <a:srgbClr val="FF0000"/>
-                </a:solidFill>
-              </a:rPr>
-              <a:t>, try installing it in the “terminal”.</a:t>
+              <a:rPr lang="en-US" sz="2800" dirty="0"/>
+              <a:t>In </a:t>
+            </a:r>
+            <a:r>
+              <a:rPr lang="en-US" sz="2800" dirty="0" err="1"/>
+              <a:t>Beocat</a:t>
+            </a:r>
+            <a:r>
+              <a:rPr lang="en-US" sz="2800" dirty="0"/>
+              <a:t>:</a:t>
             </a:r>
           </a:p>
         </p:txBody>
@@ -13505,7 +13642,7 @@
           <p:cNvPr id="5" name="TextBox 4">
             <a:extLst>
               <a:ext uri="{FF2B5EF4-FFF2-40B4-BE49-F238E27FC236}">
-                <a16:creationId xmlns:a16="http://schemas.microsoft.com/office/drawing/2014/main" id="{8FF3DF6D-E9BC-9953-0181-4FD1176DDF46}"/>
+                <a16:creationId xmlns:a16="http://schemas.microsoft.com/office/drawing/2014/main" id="{02936645-F34F-3F76-2157-6CD0B7488F53}"/>
               </a:ext>
             </a:extLst>
           </p:cNvPr>
@@ -13514,8 +13651,8 @@
         </p:nvSpPr>
         <p:spPr>
           <a:xfrm>
-            <a:off x="2144684" y="3450337"/>
-            <a:ext cx="4424609" cy="1200329"/>
+            <a:off x="1894785" y="2837467"/>
+            <a:ext cx="4835952" cy="1938992"/>
           </a:xfrm>
           <a:prstGeom prst="rect">
             <a:avLst/>
@@ -13523,17 +13660,24 @@
           <a:noFill/>
         </p:spPr>
         <p:txBody>
-          <a:bodyPr wrap="none" rtlCol="0">
+          <a:bodyPr wrap="square" rtlCol="0">
             <a:spAutoFit/>
           </a:bodyPr>
           <a:lstStyle/>
           <a:p>
             <a:r>
+              <a:rPr lang="en-US" sz="2400" dirty="0" err="1">
+                <a:latin typeface="Courier New" panose="02070309020205020404" pitchFamily="49" charset="0"/>
+                <a:cs typeface="Courier New" panose="02070309020205020404" pitchFamily="49" charset="0"/>
+              </a:rPr>
+              <a:t>mkdir</a:t>
+            </a:r>
+            <a:r>
               <a:rPr lang="en-US" sz="2400" dirty="0">
                 <a:latin typeface="Courier New" panose="02070309020205020404" pitchFamily="49" charset="0"/>
                 <a:cs typeface="Courier New" panose="02070309020205020404" pitchFamily="49" charset="0"/>
               </a:rPr>
-              <a:t>module load R</a:t>
+              <a:t> ~/BA25/labs/lab10</a:t>
             </a:r>
           </a:p>
           <a:p>
@@ -13542,7 +13686,7 @@
                 <a:latin typeface="Courier New" panose="02070309020205020404" pitchFamily="49" charset="0"/>
                 <a:cs typeface="Courier New" panose="02070309020205020404" pitchFamily="49" charset="0"/>
               </a:rPr>
-              <a:t>R</a:t>
+              <a:t>cd ~/BA25/labs/lab10</a:t>
             </a:r>
           </a:p>
           <a:p>
@@ -13551,14 +13695,14 @@
                 <a:latin typeface="Courier New" panose="02070309020205020404" pitchFamily="49" charset="0"/>
                 <a:cs typeface="Courier New" panose="02070309020205020404" pitchFamily="49" charset="0"/>
               </a:rPr>
-              <a:t>install.packages</a:t>
+              <a:t>mkdir</a:t>
             </a:r>
             <a:r>
               <a:rPr lang="en-US" sz="2400" dirty="0">
                 <a:latin typeface="Courier New" panose="02070309020205020404" pitchFamily="49" charset="0"/>
                 <a:cs typeface="Courier New" panose="02070309020205020404" pitchFamily="49" charset="0"/>
               </a:rPr>
-              <a:t>("</a:t>
+              <a:t> </a:t>
             </a:r>
             <a:r>
               <a:rPr lang="en-US" sz="2400" dirty="0" err="1">
@@ -13572,7 +13716,54 @@
                 <a:latin typeface="Courier New" panose="02070309020205020404" pitchFamily="49" charset="0"/>
                 <a:cs typeface="Courier New" panose="02070309020205020404" pitchFamily="49" charset="0"/>
               </a:rPr>
-              <a:t>")</a:t>
+              <a:t> </a:t>
+            </a:r>
+            <a:r>
+              <a:rPr lang="en-US" sz="2400" dirty="0" err="1">
+                <a:latin typeface="Courier New" panose="02070309020205020404" pitchFamily="49" charset="0"/>
+                <a:cs typeface="Courier New" panose="02070309020205020404" pitchFamily="49" charset="0"/>
+              </a:rPr>
+              <a:t>gwas</a:t>
+            </a:r>
+            <a:endParaRPr lang="en-US" sz="2400" dirty="0">
+              <a:latin typeface="Courier New" panose="02070309020205020404" pitchFamily="49" charset="0"/>
+              <a:cs typeface="Courier New" panose="02070309020205020404" pitchFamily="49" charset="0"/>
+            </a:endParaRPr>
+          </a:p>
+          <a:p>
+            <a:r>
+              <a:rPr lang="en-US" sz="2400" dirty="0">
+                <a:latin typeface="Courier New" panose="02070309020205020404" pitchFamily="49" charset="0"/>
+                <a:cs typeface="Courier New" panose="02070309020205020404" pitchFamily="49" charset="0"/>
+              </a:rPr>
+              <a:t>cd </a:t>
+            </a:r>
+            <a:r>
+              <a:rPr lang="en-US" sz="2400" dirty="0" err="1">
+                <a:latin typeface="Courier New" panose="02070309020205020404" pitchFamily="49" charset="0"/>
+                <a:cs typeface="Courier New" panose="02070309020205020404" pitchFamily="49" charset="0"/>
+              </a:rPr>
+              <a:t>gwas</a:t>
+            </a:r>
+            <a:endParaRPr lang="en-US" sz="2400" dirty="0">
+              <a:latin typeface="Courier New" panose="02070309020205020404" pitchFamily="49" charset="0"/>
+              <a:cs typeface="Courier New" panose="02070309020205020404" pitchFamily="49" charset="0"/>
+            </a:endParaRPr>
+          </a:p>
+          <a:p>
+            <a:r>
+              <a:rPr lang="en-US" sz="2400" dirty="0" err="1">
+                <a:latin typeface="Courier New" panose="02070309020205020404" pitchFamily="49" charset="0"/>
+                <a:cs typeface="Courier New" panose="02070309020205020404" pitchFamily="49" charset="0"/>
+              </a:rPr>
+              <a:t>mkdir</a:t>
+            </a:r>
+            <a:r>
+              <a:rPr lang="en-US" sz="2400" dirty="0">
+                <a:latin typeface="Courier New" panose="02070309020205020404" pitchFamily="49" charset="0"/>
+                <a:cs typeface="Courier New" panose="02070309020205020404" pitchFamily="49" charset="0"/>
+              </a:rPr>
+              <a:t> run1 run2 run3 run4</a:t>
             </a:r>
           </a:p>
         </p:txBody>
@@ -13580,7 +13771,7 @@
     </p:spTree>
     <p:extLst>
       <p:ext uri="{BB962C8B-B14F-4D97-AF65-F5344CB8AC3E}">
-        <p14:creationId xmlns:p14="http://schemas.microsoft.com/office/powerpoint/2010/main" val="3474359857"/>
+        <p14:creationId xmlns:p14="http://schemas.microsoft.com/office/powerpoint/2010/main" val="2399867995"/>
       </p:ext>
     </p:extLst>
   </p:cSld>
@@ -13617,12 +13808,7 @@
             <p:ph type="title"/>
           </p:nvPr>
         </p:nvSpPr>
-        <p:spPr>
-          <a:xfrm>
-            <a:off x="457200" y="205979"/>
-            <a:ext cx="8229600" cy="783236"/>
-          </a:xfrm>
-        </p:spPr>
+        <p:spPr/>
         <p:txBody>
           <a:bodyPr>
             <a:normAutofit/>
@@ -13631,8 +13817,13 @@
           <a:p>
             <a:r>
               <a:rPr lang="en-US" sz="3200" dirty="0"/>
-              <a:t>Working directories</a:t>
-            </a:r>
+              <a:t>Install R/</a:t>
+            </a:r>
+            <a:r>
+              <a:rPr lang="en-US" sz="3200" dirty="0" err="1"/>
+              <a:t>qtl</a:t>
+            </a:r>
+            <a:endParaRPr lang="en-US" sz="3200" dirty="0"/>
           </a:p>
         </p:txBody>
       </p:sp>
@@ -13648,8 +13839,8 @@
         </p:nvSpPr>
         <p:spPr>
           <a:xfrm>
-            <a:off x="2083323" y="989215"/>
-            <a:ext cx="5279011" cy="1782265"/>
+            <a:off x="2144684" y="1099994"/>
+            <a:ext cx="5112327" cy="1471756"/>
           </a:xfrm>
         </p:spPr>
         <p:txBody>
@@ -13662,26 +13853,25 @@
               <a:buNone/>
             </a:pPr>
             <a:r>
-              <a:rPr lang="en-US" sz="1600" dirty="0">
-                <a:solidFill>
-                  <a:schemeClr val="bg1">
-                    <a:lumMod val="75000"/>
-                  </a:schemeClr>
-                </a:solidFill>
-              </a:rPr>
-              <a:t> </a:t>
-            </a:r>
-            <a:r>
-              <a:rPr lang="en-US" sz="1600" dirty="0">
-                <a:solidFill>
-                  <a:schemeClr val="bg1">
-                    <a:lumMod val="75000"/>
-                  </a:schemeClr>
-                </a:solidFill>
-                <a:latin typeface="Courier New" panose="02070309020205020404" pitchFamily="49" charset="0"/>
-                <a:cs typeface="Courier New" panose="02070309020205020404" pitchFamily="49" charset="0"/>
-              </a:rPr>
-              <a:t>~/BA25/labs/lab10</a:t>
+              <a:rPr lang="en-US" dirty="0">
+                <a:latin typeface="Courier New" panose="02070309020205020404" pitchFamily="49" charset="0"/>
+                <a:cs typeface="Courier New" panose="02070309020205020404" pitchFamily="49" charset="0"/>
+              </a:rPr>
+              <a:t># install r/</a:t>
+            </a:r>
+            <a:r>
+              <a:rPr lang="en-US" dirty="0" err="1">
+                <a:latin typeface="Courier New" panose="02070309020205020404" pitchFamily="49" charset="0"/>
+                <a:cs typeface="Courier New" panose="02070309020205020404" pitchFamily="49" charset="0"/>
+              </a:rPr>
+              <a:t>qtl</a:t>
+            </a:r>
+            <a:r>
+              <a:rPr lang="en-US" dirty="0">
+                <a:latin typeface="Courier New" panose="02070309020205020404" pitchFamily="49" charset="0"/>
+                <a:cs typeface="Courier New" panose="02070309020205020404" pitchFamily="49" charset="0"/>
+              </a:rPr>
+              <a:t> package</a:t>
             </a:r>
           </a:p>
           <a:p>
@@ -13689,226 +13879,78 @@
               <a:buNone/>
             </a:pPr>
             <a:r>
-              <a:rPr lang="en-US" sz="1600" dirty="0">
-                <a:solidFill>
-                  <a:schemeClr val="bg1">
-                    <a:lumMod val="75000"/>
-                  </a:schemeClr>
-                </a:solidFill>
-                <a:latin typeface="Courier New" panose="02070309020205020404" pitchFamily="49" charset="0"/>
-                <a:cs typeface="Courier New" panose="02070309020205020404" pitchFamily="49" charset="0"/>
-              </a:rPr>
-              <a:t>~/BA25/labs/lab10/</a:t>
-            </a:r>
-            <a:r>
-              <a:rPr lang="en-US" sz="1600" dirty="0" err="1">
-                <a:solidFill>
-                  <a:schemeClr val="bg1">
-                    <a:lumMod val="75000"/>
-                  </a:schemeClr>
-                </a:solidFill>
+              <a:rPr lang="en-US" dirty="0" err="1">
+                <a:latin typeface="Courier New" panose="02070309020205020404" pitchFamily="49" charset="0"/>
+                <a:cs typeface="Courier New" panose="02070309020205020404" pitchFamily="49" charset="0"/>
+              </a:rPr>
+              <a:t>install.packages</a:t>
+            </a:r>
+            <a:r>
+              <a:rPr lang="en-US" dirty="0">
+                <a:latin typeface="Courier New" panose="02070309020205020404" pitchFamily="49" charset="0"/>
+                <a:cs typeface="Courier New" panose="02070309020205020404" pitchFamily="49" charset="0"/>
+              </a:rPr>
+              <a:t>("</a:t>
+            </a:r>
+            <a:r>
+              <a:rPr lang="en-US" dirty="0" err="1">
                 <a:latin typeface="Courier New" panose="02070309020205020404" pitchFamily="49" charset="0"/>
                 <a:cs typeface="Courier New" panose="02070309020205020404" pitchFamily="49" charset="0"/>
               </a:rPr>
               <a:t>qtl</a:t>
             </a:r>
-            <a:endParaRPr lang="en-US" sz="1600" dirty="0">
-              <a:solidFill>
-                <a:schemeClr val="bg1">
-                  <a:lumMod val="75000"/>
-                </a:schemeClr>
-              </a:solidFill>
-              <a:latin typeface="Courier New" panose="02070309020205020404" pitchFamily="49" charset="0"/>
-              <a:cs typeface="Courier New" panose="02070309020205020404" pitchFamily="49" charset="0"/>
-            </a:endParaRPr>
+            <a:r>
+              <a:rPr lang="en-US" dirty="0">
+                <a:latin typeface="Courier New" panose="02070309020205020404" pitchFamily="49" charset="0"/>
+                <a:cs typeface="Courier New" panose="02070309020205020404" pitchFamily="49" charset="0"/>
+              </a:rPr>
+              <a:t>")</a:t>
+            </a:r>
           </a:p>
           <a:p>
             <a:pPr marL="0" indent="0">
               <a:buNone/>
             </a:pPr>
             <a:r>
-              <a:rPr lang="en-US" sz="1600" dirty="0">
-                <a:solidFill>
-                  <a:schemeClr val="bg1">
-                    <a:lumMod val="75000"/>
-                  </a:schemeClr>
-                </a:solidFill>
-                <a:latin typeface="Courier New" panose="02070309020205020404" pitchFamily="49" charset="0"/>
-                <a:cs typeface="Courier New" panose="02070309020205020404" pitchFamily="49" charset="0"/>
-              </a:rPr>
-              <a:t>~/BA25/labs/lab10/</a:t>
-            </a:r>
-            <a:r>
-              <a:rPr lang="en-US" sz="1600" dirty="0" err="1">
-                <a:solidFill>
-                  <a:schemeClr val="bg1">
-                    <a:lumMod val="75000"/>
-                  </a:schemeClr>
-                </a:solidFill>
-                <a:latin typeface="Courier New" panose="02070309020205020404" pitchFamily="49" charset="0"/>
-                <a:cs typeface="Courier New" panose="02070309020205020404" pitchFamily="49" charset="0"/>
-              </a:rPr>
-              <a:t>gwas</a:t>
-            </a:r>
-            <a:endParaRPr lang="en-US" sz="1600" dirty="0">
-              <a:solidFill>
-                <a:schemeClr val="bg1">
-                  <a:lumMod val="75000"/>
-                </a:schemeClr>
-              </a:solidFill>
-              <a:latin typeface="Courier New" panose="02070309020205020404" pitchFamily="49" charset="0"/>
-              <a:cs typeface="Courier New" panose="02070309020205020404" pitchFamily="49" charset="0"/>
-            </a:endParaRPr>
-          </a:p>
-          <a:p>
-            <a:pPr marL="0" indent="0">
-              <a:buNone/>
-            </a:pPr>
-            <a:r>
-              <a:rPr lang="en-US" sz="1600" dirty="0">
-                <a:solidFill>
-                  <a:schemeClr val="bg1">
-                    <a:lumMod val="75000"/>
-                  </a:schemeClr>
-                </a:solidFill>
-                <a:latin typeface="Courier New" panose="02070309020205020404" pitchFamily="49" charset="0"/>
-                <a:cs typeface="Courier New" panose="02070309020205020404" pitchFamily="49" charset="0"/>
-              </a:rPr>
-              <a:t>~/BA25/labs/lab10/</a:t>
-            </a:r>
-            <a:r>
-              <a:rPr lang="en-US" sz="1600" dirty="0" err="1">
-                <a:solidFill>
-                  <a:schemeClr val="bg1">
-                    <a:lumMod val="75000"/>
-                  </a:schemeClr>
-                </a:solidFill>
-                <a:latin typeface="Courier New" panose="02070309020205020404" pitchFamily="49" charset="0"/>
-                <a:cs typeface="Courier New" panose="02070309020205020404" pitchFamily="49" charset="0"/>
-              </a:rPr>
-              <a:t>gwas</a:t>
-            </a:r>
-            <a:r>
-              <a:rPr lang="en-US" sz="1600" dirty="0">
-                <a:solidFill>
-                  <a:schemeClr val="bg1">
-                    <a:lumMod val="75000"/>
-                  </a:schemeClr>
-                </a:solidFill>
-                <a:latin typeface="Courier New" panose="02070309020205020404" pitchFamily="49" charset="0"/>
-                <a:cs typeface="Courier New" panose="02070309020205020404" pitchFamily="49" charset="0"/>
-              </a:rPr>
-              <a:t>/run1</a:t>
-            </a:r>
-          </a:p>
-          <a:p>
-            <a:pPr marL="0" indent="0">
-              <a:buNone/>
-            </a:pPr>
-            <a:r>
-              <a:rPr lang="en-US" sz="1600" dirty="0">
-                <a:solidFill>
-                  <a:schemeClr val="bg1">
-                    <a:lumMod val="75000"/>
-                  </a:schemeClr>
-                </a:solidFill>
-                <a:latin typeface="Courier New" panose="02070309020205020404" pitchFamily="49" charset="0"/>
-                <a:cs typeface="Courier New" panose="02070309020205020404" pitchFamily="49" charset="0"/>
-              </a:rPr>
-              <a:t>~/BA25/labs/lab10/</a:t>
-            </a:r>
-            <a:r>
-              <a:rPr lang="en-US" sz="1600" dirty="0" err="1">
-                <a:solidFill>
-                  <a:schemeClr val="bg1">
-                    <a:lumMod val="75000"/>
-                  </a:schemeClr>
-                </a:solidFill>
-                <a:latin typeface="Courier New" panose="02070309020205020404" pitchFamily="49" charset="0"/>
-                <a:cs typeface="Courier New" panose="02070309020205020404" pitchFamily="49" charset="0"/>
-              </a:rPr>
-              <a:t>gwas</a:t>
-            </a:r>
-            <a:r>
-              <a:rPr lang="en-US" sz="1600" dirty="0">
-                <a:solidFill>
-                  <a:schemeClr val="bg1">
-                    <a:lumMod val="75000"/>
-                  </a:schemeClr>
-                </a:solidFill>
-                <a:latin typeface="Courier New" panose="02070309020205020404" pitchFamily="49" charset="0"/>
-                <a:cs typeface="Courier New" panose="02070309020205020404" pitchFamily="49" charset="0"/>
-              </a:rPr>
-              <a:t>/run2</a:t>
-            </a:r>
-          </a:p>
-          <a:p>
-            <a:pPr marL="0" indent="0">
-              <a:buNone/>
-            </a:pPr>
-            <a:r>
-              <a:rPr lang="en-US" sz="1600" dirty="0">
-                <a:solidFill>
-                  <a:schemeClr val="bg1">
-                    <a:lumMod val="75000"/>
-                  </a:schemeClr>
-                </a:solidFill>
-                <a:latin typeface="Courier New" panose="02070309020205020404" pitchFamily="49" charset="0"/>
-                <a:cs typeface="Courier New" panose="02070309020205020404" pitchFamily="49" charset="0"/>
-              </a:rPr>
-              <a:t>~/BA25/labs/lab10/</a:t>
-            </a:r>
-            <a:r>
-              <a:rPr lang="en-US" sz="1600" dirty="0" err="1">
-                <a:solidFill>
-                  <a:schemeClr val="bg1">
-                    <a:lumMod val="75000"/>
-                  </a:schemeClr>
-                </a:solidFill>
-                <a:latin typeface="Courier New" panose="02070309020205020404" pitchFamily="49" charset="0"/>
-                <a:cs typeface="Courier New" panose="02070309020205020404" pitchFamily="49" charset="0"/>
-              </a:rPr>
-              <a:t>gwas</a:t>
-            </a:r>
-            <a:r>
-              <a:rPr lang="en-US" sz="1600" dirty="0">
-                <a:solidFill>
-                  <a:schemeClr val="bg1">
-                    <a:lumMod val="75000"/>
-                  </a:schemeClr>
-                </a:solidFill>
-                <a:latin typeface="Courier New" panose="02070309020205020404" pitchFamily="49" charset="0"/>
-                <a:cs typeface="Courier New" panose="02070309020205020404" pitchFamily="49" charset="0"/>
-              </a:rPr>
-              <a:t>/run3</a:t>
-            </a:r>
-          </a:p>
-          <a:p>
-            <a:pPr marL="0" indent="0">
-              <a:buNone/>
-            </a:pPr>
-            <a:endParaRPr lang="en-US" sz="1600" dirty="0">
-              <a:solidFill>
-                <a:schemeClr val="bg1">
-                  <a:lumMod val="75000"/>
-                </a:schemeClr>
-              </a:solidFill>
-              <a:latin typeface="Courier New" panose="02070309020205020404" pitchFamily="49" charset="0"/>
-              <a:cs typeface="Courier New" panose="02070309020205020404" pitchFamily="49" charset="0"/>
-            </a:endParaRPr>
+              <a:rPr lang="en-US" dirty="0">
+                <a:latin typeface="Courier New" panose="02070309020205020404" pitchFamily="49" charset="0"/>
+                <a:cs typeface="Courier New" panose="02070309020205020404" pitchFamily="49" charset="0"/>
+              </a:rPr>
+              <a:t>library("</a:t>
+            </a:r>
+            <a:r>
+              <a:rPr lang="en-US" dirty="0" err="1">
+                <a:latin typeface="Courier New" panose="02070309020205020404" pitchFamily="49" charset="0"/>
+                <a:cs typeface="Courier New" panose="02070309020205020404" pitchFamily="49" charset="0"/>
+              </a:rPr>
+              <a:t>qtl</a:t>
+            </a:r>
+            <a:r>
+              <a:rPr lang="en-US" dirty="0">
+                <a:latin typeface="Courier New" panose="02070309020205020404" pitchFamily="49" charset="0"/>
+                <a:cs typeface="Courier New" panose="02070309020205020404" pitchFamily="49" charset="0"/>
+              </a:rPr>
+              <a:t>")</a:t>
+            </a:r>
           </a:p>
         </p:txBody>
       </p:sp>
       <p:sp>
         <p:nvSpPr>
-          <p:cNvPr id="4" name="TextBox 3"/>
+          <p:cNvPr id="4" name="TextBox 3">
+            <a:extLst>
+              <a:ext uri="{FF2B5EF4-FFF2-40B4-BE49-F238E27FC236}">
+                <a16:creationId xmlns:a16="http://schemas.microsoft.com/office/drawing/2014/main" id="{8A73FB69-F7C3-D15E-9868-EDF3030F567B}"/>
+              </a:ext>
+            </a:extLst>
+          </p:cNvPr>
           <p:cNvSpPr txBox="1"/>
           <p:nvPr/>
         </p:nvSpPr>
         <p:spPr>
           <a:xfrm>
-            <a:off x="457200" y="864623"/>
-            <a:ext cx="1641924" cy="523220"/>
+            <a:off x="260723" y="2864635"/>
+            <a:ext cx="8622553" cy="369332"/>
           </a:xfrm>
           <a:prstGeom prst="rect">
             <a:avLst/>
@@ -13922,16 +13964,28 @@
           <a:lstStyle/>
           <a:p>
             <a:r>
-              <a:rPr lang="en-US" sz="2800" dirty="0"/>
-              <a:t>In </a:t>
-            </a:r>
-            <a:r>
-              <a:rPr lang="en-US" sz="2800" dirty="0" err="1"/>
-              <a:t>Beocat</a:t>
-            </a:r>
-            <a:r>
-              <a:rPr lang="en-US" sz="2800" dirty="0"/>
-              <a:t>:</a:t>
+              <a:rPr lang="en-US" dirty="0">
+                <a:solidFill>
+                  <a:srgbClr val="FF0000"/>
+                </a:solidFill>
+              </a:rPr>
+              <a:t>Note: If you have trouble to install the package in </a:t>
+            </a:r>
+            <a:r>
+              <a:rPr lang="en-US" dirty="0" err="1">
+                <a:solidFill>
+                  <a:srgbClr val="FF0000"/>
+                </a:solidFill>
+              </a:rPr>
+              <a:t>Rstudio</a:t>
+            </a:r>
+            <a:r>
+              <a:rPr lang="en-US" dirty="0">
+                <a:solidFill>
+                  <a:srgbClr val="FF0000"/>
+                </a:solidFill>
+              </a:rPr>
+              <a:t>, try installing it in the “terminal”.</a:t>
             </a:r>
           </a:p>
         </p:txBody>
@@ -13941,7 +13995,7 @@
           <p:cNvPr id="5" name="TextBox 4">
             <a:extLst>
               <a:ext uri="{FF2B5EF4-FFF2-40B4-BE49-F238E27FC236}">
-                <a16:creationId xmlns:a16="http://schemas.microsoft.com/office/drawing/2014/main" id="{02936645-F34F-3F76-2157-6CD0B7488F53}"/>
+                <a16:creationId xmlns:a16="http://schemas.microsoft.com/office/drawing/2014/main" id="{8FF3DF6D-E9BC-9953-0181-4FD1176DDF46}"/>
               </a:ext>
             </a:extLst>
           </p:cNvPr>
@@ -13950,8 +14004,8 @@
         </p:nvSpPr>
         <p:spPr>
           <a:xfrm>
-            <a:off x="1894785" y="2837467"/>
-            <a:ext cx="4835952" cy="1938992"/>
+            <a:off x="2144684" y="3450337"/>
+            <a:ext cx="4424609" cy="1200329"/>
           </a:xfrm>
           <a:prstGeom prst="rect">
             <a:avLst/>
@@ -13959,110 +14013,56 @@
           <a:noFill/>
         </p:spPr>
         <p:txBody>
-          <a:bodyPr wrap="square" rtlCol="0">
+          <a:bodyPr wrap="none" rtlCol="0">
             <a:spAutoFit/>
           </a:bodyPr>
           <a:lstStyle/>
           <a:p>
             <a:r>
+              <a:rPr lang="en-US" sz="2400" dirty="0">
+                <a:latin typeface="Courier New" panose="02070309020205020404" pitchFamily="49" charset="0"/>
+                <a:cs typeface="Courier New" panose="02070309020205020404" pitchFamily="49" charset="0"/>
+              </a:rPr>
+              <a:t>module load R</a:t>
+            </a:r>
+          </a:p>
+          <a:p>
+            <a:r>
+              <a:rPr lang="en-US" sz="2400" dirty="0">
+                <a:latin typeface="Courier New" panose="02070309020205020404" pitchFamily="49" charset="0"/>
+                <a:cs typeface="Courier New" panose="02070309020205020404" pitchFamily="49" charset="0"/>
+              </a:rPr>
+              <a:t>R</a:t>
+            </a:r>
+          </a:p>
+          <a:p>
+            <a:r>
               <a:rPr lang="en-US" sz="2400" dirty="0" err="1">
                 <a:latin typeface="Courier New" panose="02070309020205020404" pitchFamily="49" charset="0"/>
                 <a:cs typeface="Courier New" panose="02070309020205020404" pitchFamily="49" charset="0"/>
               </a:rPr>
-              <a:t>mkdir</a:t>
+              <a:t>install.packages</a:t>
             </a:r>
             <a:r>
               <a:rPr lang="en-US" sz="2400" dirty="0">
                 <a:latin typeface="Courier New" panose="02070309020205020404" pitchFamily="49" charset="0"/>
                 <a:cs typeface="Courier New" panose="02070309020205020404" pitchFamily="49" charset="0"/>
               </a:rPr>
-              <a:t> ~/BA25/labs/lab10</a:t>
-            </a:r>
-          </a:p>
-          <a:p>
+              <a:t>("</a:t>
+            </a:r>
+            <a:r>
+              <a:rPr lang="en-US" sz="2400" dirty="0" err="1">
+                <a:latin typeface="Courier New" panose="02070309020205020404" pitchFamily="49" charset="0"/>
+                <a:cs typeface="Courier New" panose="02070309020205020404" pitchFamily="49" charset="0"/>
+              </a:rPr>
+              <a:t>qtl</a:t>
+            </a:r>
             <a:r>
               <a:rPr lang="en-US" sz="2400" dirty="0">
                 <a:latin typeface="Courier New" panose="02070309020205020404" pitchFamily="49" charset="0"/>
                 <a:cs typeface="Courier New" panose="02070309020205020404" pitchFamily="49" charset="0"/>
               </a:rPr>
-              <a:t>cd ~/BA25/labs/lab10</a:t>
-            </a:r>
-          </a:p>
-          <a:p>
-            <a:r>
-              <a:rPr lang="en-US" sz="2400" dirty="0" err="1">
-                <a:latin typeface="Courier New" panose="02070309020205020404" pitchFamily="49" charset="0"/>
-                <a:cs typeface="Courier New" panose="02070309020205020404" pitchFamily="49" charset="0"/>
-              </a:rPr>
-              <a:t>mkdir</a:t>
-            </a:r>
-            <a:r>
-              <a:rPr lang="en-US" sz="2400" dirty="0">
-                <a:latin typeface="Courier New" panose="02070309020205020404" pitchFamily="49" charset="0"/>
-                <a:cs typeface="Courier New" panose="02070309020205020404" pitchFamily="49" charset="0"/>
-              </a:rPr>
-              <a:t> </a:t>
-            </a:r>
-            <a:r>
-              <a:rPr lang="en-US" sz="2400" dirty="0" err="1">
-                <a:latin typeface="Courier New" panose="02070309020205020404" pitchFamily="49" charset="0"/>
-                <a:cs typeface="Courier New" panose="02070309020205020404" pitchFamily="49" charset="0"/>
-              </a:rPr>
-              <a:t>qtl</a:t>
-            </a:r>
-            <a:r>
-              <a:rPr lang="en-US" sz="2400" dirty="0">
-                <a:latin typeface="Courier New" panose="02070309020205020404" pitchFamily="49" charset="0"/>
-                <a:cs typeface="Courier New" panose="02070309020205020404" pitchFamily="49" charset="0"/>
-              </a:rPr>
-              <a:t> </a:t>
-            </a:r>
-            <a:r>
-              <a:rPr lang="en-US" sz="2400" dirty="0" err="1">
-                <a:latin typeface="Courier New" panose="02070309020205020404" pitchFamily="49" charset="0"/>
-                <a:cs typeface="Courier New" panose="02070309020205020404" pitchFamily="49" charset="0"/>
-              </a:rPr>
-              <a:t>gwas</a:t>
-            </a:r>
-            <a:endParaRPr lang="en-US" sz="2400" dirty="0">
-              <a:latin typeface="Courier New" panose="02070309020205020404" pitchFamily="49" charset="0"/>
-              <a:cs typeface="Courier New" panose="02070309020205020404" pitchFamily="49" charset="0"/>
-            </a:endParaRPr>
-          </a:p>
-          <a:p>
-            <a:r>
-              <a:rPr lang="en-US" sz="2400" dirty="0">
-                <a:latin typeface="Courier New" panose="02070309020205020404" pitchFamily="49" charset="0"/>
-                <a:cs typeface="Courier New" panose="02070309020205020404" pitchFamily="49" charset="0"/>
-              </a:rPr>
-              <a:t>cd </a:t>
-            </a:r>
-            <a:r>
-              <a:rPr lang="en-US" sz="2400" dirty="0" err="1">
-                <a:latin typeface="Courier New" panose="02070309020205020404" pitchFamily="49" charset="0"/>
-                <a:cs typeface="Courier New" panose="02070309020205020404" pitchFamily="49" charset="0"/>
-              </a:rPr>
-              <a:t>gwas</a:t>
-            </a:r>
-            <a:endParaRPr lang="en-US" sz="2400" dirty="0">
-              <a:latin typeface="Courier New" panose="02070309020205020404" pitchFamily="49" charset="0"/>
-              <a:cs typeface="Courier New" panose="02070309020205020404" pitchFamily="49" charset="0"/>
-            </a:endParaRPr>
-          </a:p>
-          <a:p>
-            <a:r>
-              <a:rPr lang="en-US" sz="2400" dirty="0" err="1">
-                <a:latin typeface="Courier New" panose="02070309020205020404" pitchFamily="49" charset="0"/>
-                <a:cs typeface="Courier New" panose="02070309020205020404" pitchFamily="49" charset="0"/>
-              </a:rPr>
-              <a:t>mkdir</a:t>
-            </a:r>
-            <a:r>
-              <a:rPr lang="en-US" sz="2400" dirty="0">
-                <a:latin typeface="Courier New" panose="02070309020205020404" pitchFamily="49" charset="0"/>
-                <a:cs typeface="Courier New" panose="02070309020205020404" pitchFamily="49" charset="0"/>
-              </a:rPr>
-              <a:t> run1 run2 run3 run4</a:t>
+              <a:t>")</a:t>
             </a:r>
           </a:p>
         </p:txBody>
@@ -14070,7 +14070,7 @@
     </p:spTree>
     <p:extLst>
       <p:ext uri="{BB962C8B-B14F-4D97-AF65-F5344CB8AC3E}">
-        <p14:creationId xmlns:p14="http://schemas.microsoft.com/office/powerpoint/2010/main" val="2399867995"/>
+        <p14:creationId xmlns:p14="http://schemas.microsoft.com/office/powerpoint/2010/main" val="3474359857"/>
       </p:ext>
     </p:extLst>
   </p:cSld>
@@ -14918,14 +14918,139 @@
         </p:blipFill>
         <p:spPr>
           <a:xfrm>
-            <a:off x="1041204" y="2642105"/>
-            <a:ext cx="7095647" cy="2257707"/>
+            <a:off x="1898848" y="2571749"/>
+            <a:ext cx="4546095" cy="1627107"/>
           </a:xfrm>
           <a:prstGeom prst="rect">
             <a:avLst/>
           </a:prstGeom>
         </p:spPr>
       </p:pic>
+      <p:sp>
+        <p:nvSpPr>
+          <p:cNvPr id="2" name="TextBox 1">
+            <a:extLst>
+              <a:ext uri="{FF2B5EF4-FFF2-40B4-BE49-F238E27FC236}">
+                <a16:creationId xmlns:a16="http://schemas.microsoft.com/office/drawing/2014/main" id="{7ED44A8F-6D3E-AAB4-6056-EEC12CE66C89}"/>
+              </a:ext>
+            </a:extLst>
+          </p:cNvPr>
+          <p:cNvSpPr txBox="1"/>
+          <p:nvPr/>
+        </p:nvSpPr>
+        <p:spPr>
+          <a:xfrm>
+            <a:off x="1191873" y="4198857"/>
+            <a:ext cx="6489753" cy="738664"/>
+          </a:xfrm>
+          <a:prstGeom prst="rect">
+            <a:avLst/>
+          </a:prstGeom>
+          <a:noFill/>
+        </p:spPr>
+        <p:txBody>
+          <a:bodyPr wrap="square" rtlCol="0">
+            <a:spAutoFit/>
+          </a:bodyPr>
+          <a:lstStyle/>
+          <a:p>
+            <a:r>
+              <a:rPr lang="en-US" sz="1400" b="0" i="0" dirty="0">
+                <a:solidFill>
+                  <a:srgbClr val="1D1C1D"/>
+                </a:solidFill>
+                <a:effectLst/>
+              </a:rPr>
+              <a:t># run the following scripts if "Shadow graphics device error" occurs:</a:t>
+            </a:r>
+          </a:p>
+          <a:p>
+            <a:r>
+              <a:rPr lang="en-US" sz="1400" b="0" i="0" dirty="0">
+                <a:solidFill>
+                  <a:srgbClr val="1D1C1D"/>
+                </a:solidFill>
+                <a:effectLst/>
+                <a:latin typeface="Courier New" panose="02070309020205020404" pitchFamily="49" charset="0"/>
+                <a:cs typeface="Courier New" panose="02070309020205020404" pitchFamily="49" charset="0"/>
+              </a:rPr>
+              <a:t>options(</a:t>
+            </a:r>
+            <a:r>
+              <a:rPr lang="en-US" sz="1400" b="0" i="0" dirty="0" err="1">
+                <a:solidFill>
+                  <a:srgbClr val="1D1C1D"/>
+                </a:solidFill>
+                <a:effectLst/>
+                <a:latin typeface="Courier New" panose="02070309020205020404" pitchFamily="49" charset="0"/>
+                <a:cs typeface="Courier New" panose="02070309020205020404" pitchFamily="49" charset="0"/>
+              </a:rPr>
+              <a:t>bitmapType</a:t>
+            </a:r>
+            <a:r>
+              <a:rPr lang="en-US" sz="1400" b="0" i="0" dirty="0">
+                <a:solidFill>
+                  <a:srgbClr val="1D1C1D"/>
+                </a:solidFill>
+                <a:effectLst/>
+                <a:latin typeface="Courier New" panose="02070309020205020404" pitchFamily="49" charset="0"/>
+                <a:cs typeface="Courier New" panose="02070309020205020404" pitchFamily="49" charset="0"/>
+              </a:rPr>
+              <a:t>='</a:t>
+            </a:r>
+            <a:r>
+              <a:rPr lang="en-US" sz="1400" b="0" i="0" dirty="0" err="1">
+                <a:solidFill>
+                  <a:srgbClr val="1D1C1D"/>
+                </a:solidFill>
+                <a:effectLst/>
+                <a:latin typeface="Courier New" panose="02070309020205020404" pitchFamily="49" charset="0"/>
+                <a:cs typeface="Courier New" panose="02070309020205020404" pitchFamily="49" charset="0"/>
+              </a:rPr>
+              <a:t>cairo</a:t>
+            </a:r>
+            <a:r>
+              <a:rPr lang="en-US" sz="1400" b="0" i="0" dirty="0">
+                <a:solidFill>
+                  <a:srgbClr val="1D1C1D"/>
+                </a:solidFill>
+                <a:effectLst/>
+                <a:latin typeface="Courier New" panose="02070309020205020404" pitchFamily="49" charset="0"/>
+                <a:cs typeface="Courier New" panose="02070309020205020404" pitchFamily="49" charset="0"/>
+              </a:rPr>
+              <a:t>')</a:t>
+            </a:r>
+          </a:p>
+          <a:p>
+            <a:r>
+              <a:rPr lang="en-US" sz="1400" b="0" i="0" dirty="0" err="1">
+                <a:solidFill>
+                  <a:srgbClr val="1D1C1D"/>
+                </a:solidFill>
+                <a:effectLst/>
+                <a:latin typeface="Courier New" panose="02070309020205020404" pitchFamily="49" charset="0"/>
+                <a:cs typeface="Courier New" panose="02070309020205020404" pitchFamily="49" charset="0"/>
+              </a:rPr>
+              <a:t>dev.off</a:t>
+            </a:r>
+            <a:r>
+              <a:rPr lang="en-US" sz="1400" b="0" i="0" dirty="0">
+                <a:solidFill>
+                  <a:srgbClr val="1D1C1D"/>
+                </a:solidFill>
+                <a:effectLst/>
+                <a:latin typeface="Courier New" panose="02070309020205020404" pitchFamily="49" charset="0"/>
+                <a:cs typeface="Courier New" panose="02070309020205020404" pitchFamily="49" charset="0"/>
+              </a:rPr>
+              <a:t>()</a:t>
+            </a:r>
+            <a:endParaRPr lang="en-US" sz="1400" dirty="0">
+              <a:latin typeface="Courier New" panose="02070309020205020404" pitchFamily="49" charset="0"/>
+              <a:cs typeface="Courier New" panose="02070309020205020404" pitchFamily="49" charset="0"/>
+            </a:endParaRPr>
+          </a:p>
+        </p:txBody>
+      </p:sp>
     </p:spTree>
     <p:extLst>
       <p:ext uri="{BB962C8B-B14F-4D97-AF65-F5344CB8AC3E}">
